--- a/Extend_IL_using_Kolmogorov_Double_Negation.pptx
+++ b/Extend_IL_using_Kolmogorov_Double_Negation.pptx
@@ -110,6 +110,11 @@
       </a:defRPr>
     </a:lvl9pPr>
   </p:defaultTextStyle>
+  <p:extLst>
+    <p:ext uri="{EFAFB233-063F-42B5-8137-9DF3F51BA10A}">
+      <p15:sldGuideLst xmlns:p15="http://schemas.microsoft.com/office/powerpoint/2012/main"/>
+    </p:ext>
+  </p:extLst>
 </p:presentation>
 </file>
 
@@ -3443,25 +3448,7 @@
                 <a:effectLst/>
                 <a:latin typeface="+mn-lt"/>
               </a:rPr>
-              <a:t>Yantian Yin, </a:t>
-            </a:r>
-            <a:r>
-              <a:rPr lang="en-CA" dirty="0" err="1"/>
-              <a:t>G</a:t>
-            </a:r>
-            <a:r>
-              <a:rPr lang="en-CA" sz="2400" b="0" dirty="0" err="1">
-                <a:effectLst/>
-                <a:latin typeface="+mn-lt"/>
-              </a:rPr>
-              <a:t>ufei</a:t>
-            </a:r>
-            <a:r>
-              <a:rPr lang="en-CA" sz="2400" b="0" dirty="0">
-                <a:effectLst/>
-                <a:latin typeface="+mn-lt"/>
-              </a:rPr>
-              <a:t> </a:t>
+              <a:t>Yantian Yin, Yifei </a:t>
             </a:r>
             <a:r>
               <a:rPr lang="en-CA" dirty="0"/>
